--- a/ifogsimadapter/TODO.pptx
+++ b/ifogsimadapter/TODO.pptx
@@ -5069,7 +5069,7 @@
         </p:nvSpPr>
         <p:spPr>
           <a:xfrm>
-            <a:off x="8111732" y="2286400"/>
+            <a:off x="8075156" y="2557062"/>
             <a:ext cx="1070101" cy="369332"/>
           </a:xfrm>
           <a:prstGeom prst="rect">
@@ -5078,7 +5078,7 @@
           <a:noFill/>
         </p:spPr>
         <p:txBody>
-          <a:bodyPr wrap="none" rtlCol="0">
+          <a:bodyPr wrap="square" rtlCol="0">
             <a:spAutoFit/>
           </a:bodyPr>
           <a:lstStyle/>
@@ -5113,7 +5113,7 @@
         </p:nvSpPr>
         <p:spPr>
           <a:xfrm>
-            <a:off x="3454998" y="1721224"/>
+            <a:off x="3418422" y="1991886"/>
             <a:ext cx="914096" cy="369332"/>
           </a:xfrm>
           <a:prstGeom prst="rect">
@@ -5122,7 +5122,7 @@
           <a:noFill/>
         </p:spPr>
         <p:txBody>
-          <a:bodyPr wrap="none" rtlCol="0">
+          <a:bodyPr wrap="square" rtlCol="0">
             <a:spAutoFit/>
           </a:bodyPr>
           <a:lstStyle/>
@@ -5161,8 +5161,8 @@
         </p:nvSpPr>
         <p:spPr>
           <a:xfrm>
-            <a:off x="5225633" y="144855"/>
-            <a:ext cx="1740733" cy="369332"/>
+            <a:off x="5059625" y="11025"/>
+            <a:ext cx="2072747" cy="646331"/>
           </a:xfrm>
           <a:prstGeom prst="rect">
             <a:avLst/>
@@ -5175,6 +5175,7 @@
           </a:bodyPr>
           <a:lstStyle/>
           <a:p>
+            <a:pPr algn="ctr"/>
             <a:r>
               <a:rPr lang="it-IT" dirty="0" err="1">
                 <a:solidFill>
@@ -5189,6 +5190,32 @@
               </a:solidFill>
             </a:endParaRPr>
           </a:p>
+          <a:p>
+            <a:r>
+              <a:rPr lang="it-IT" dirty="0">
+                <a:solidFill>
+                  <a:srgbClr val="FF0000"/>
+                </a:solidFill>
+              </a:rPr>
+              <a:t>(from </a:t>
+            </a:r>
+            <a:r>
+              <a:rPr lang="it-IT" dirty="0" err="1">
+                <a:solidFill>
+                  <a:srgbClr val="FF0000"/>
+                </a:solidFill>
+              </a:rPr>
+              <a:t>VRGame.java</a:t>
+            </a:r>
+            <a:r>
+              <a:rPr lang="it-IT" dirty="0">
+                <a:solidFill>
+                  <a:srgbClr val="FF0000"/>
+                </a:solidFill>
+              </a:rPr>
+              <a:t>)</a:t>
+            </a:r>
+          </a:p>
         </p:txBody>
       </p:sp>
       <p:sp>
@@ -5205,7 +5232,7 @@
         </p:nvSpPr>
         <p:spPr>
           <a:xfrm>
-            <a:off x="5519398" y="819958"/>
+            <a:off x="5482822" y="1090620"/>
             <a:ext cx="1153201" cy="369332"/>
           </a:xfrm>
           <a:prstGeom prst="rect">
@@ -5214,7 +5241,7 @@
           <a:noFill/>
         </p:spPr>
         <p:txBody>
-          <a:bodyPr wrap="none" rtlCol="0">
+          <a:bodyPr wrap="square" rtlCol="0">
             <a:spAutoFit/>
           </a:bodyPr>
           <a:lstStyle/>
@@ -5248,7 +5275,7 @@
         </p:nvCxnSpPr>
         <p:spPr>
           <a:xfrm flipH="1">
-            <a:off x="3912046" y="1189290"/>
+            <a:off x="3875470" y="1459952"/>
             <a:ext cx="2183953" cy="531934"/>
           </a:xfrm>
           <a:prstGeom prst="straightConnector1">
@@ -5291,8 +5318,8 @@
         </p:nvCxnSpPr>
         <p:spPr>
           <a:xfrm flipH="1">
-            <a:off x="6095999" y="514187"/>
-            <a:ext cx="1" cy="305771"/>
+            <a:off x="6059423" y="657356"/>
+            <a:ext cx="36576" cy="433264"/>
           </a:xfrm>
           <a:prstGeom prst="straightConnector1">
             <a:avLst/>
@@ -5333,7 +5360,7 @@
         </p:nvCxnSpPr>
         <p:spPr>
           <a:xfrm>
-            <a:off x="6095999" y="1189290"/>
+            <a:off x="6059423" y="1459952"/>
             <a:ext cx="1029196" cy="305771"/>
           </a:xfrm>
           <a:prstGeom prst="straightConnector1">
@@ -5372,7 +5399,7 @@
         </p:nvSpPr>
         <p:spPr>
           <a:xfrm>
-            <a:off x="6966366" y="1423477"/>
+            <a:off x="6929790" y="1694139"/>
             <a:ext cx="1179362" cy="369332"/>
           </a:xfrm>
           <a:prstGeom prst="rect">
@@ -5381,7 +5408,7 @@
           <a:noFill/>
         </p:spPr>
         <p:txBody>
-          <a:bodyPr wrap="none" rtlCol="0">
+          <a:bodyPr wrap="square" rtlCol="0">
             <a:spAutoFit/>
           </a:bodyPr>
           <a:lstStyle/>
@@ -5424,7 +5451,7 @@
         </p:nvCxnSpPr>
         <p:spPr>
           <a:xfrm>
-            <a:off x="7556047" y="1792809"/>
+            <a:off x="7519471" y="2063471"/>
             <a:ext cx="1090736" cy="493591"/>
           </a:xfrm>
           <a:prstGeom prst="straightConnector1">
@@ -5463,7 +5490,7 @@
         </p:nvSpPr>
         <p:spPr>
           <a:xfrm>
-            <a:off x="8111732" y="1732402"/>
+            <a:off x="8075156" y="2003064"/>
             <a:ext cx="847027" cy="369332"/>
           </a:xfrm>
           <a:prstGeom prst="rect">
@@ -5472,7 +5499,7 @@
           <a:noFill/>
         </p:spPr>
         <p:txBody>
-          <a:bodyPr wrap="none" rtlCol="0">
+          <a:bodyPr wrap="square" rtlCol="0">
             <a:spAutoFit/>
           </a:bodyPr>
           <a:lstStyle/>
@@ -5511,7 +5538,7 @@
         </p:nvSpPr>
         <p:spPr>
           <a:xfrm>
-            <a:off x="1980653" y="1732402"/>
+            <a:off x="1944077" y="2003064"/>
             <a:ext cx="807890" cy="369332"/>
           </a:xfrm>
           <a:prstGeom prst="rect">
@@ -5576,7 +5603,7 @@
         </p:nvCxnSpPr>
         <p:spPr>
           <a:xfrm flipV="1">
-            <a:off x="2788543" y="1905890"/>
+            <a:off x="2751967" y="2176552"/>
             <a:ext cx="666455" cy="11178"/>
           </a:xfrm>
           <a:prstGeom prst="straightConnector1">
@@ -5615,7 +5642,7 @@
         </p:nvSpPr>
         <p:spPr>
           <a:xfrm>
-            <a:off x="8459133" y="4330962"/>
+            <a:off x="8422557" y="4601624"/>
             <a:ext cx="914096" cy="369332"/>
           </a:xfrm>
           <a:prstGeom prst="rect">
@@ -5624,7 +5651,7 @@
           <a:noFill/>
         </p:spPr>
         <p:txBody>
-          <a:bodyPr wrap="none" rtlCol="0">
+          <a:bodyPr wrap="square" rtlCol="0">
             <a:spAutoFit/>
           </a:bodyPr>
           <a:lstStyle/>
@@ -5663,7 +5690,7 @@
         </p:nvSpPr>
         <p:spPr>
           <a:xfrm>
-            <a:off x="8223268" y="3040932"/>
+            <a:off x="8186692" y="3311594"/>
             <a:ext cx="1385829" cy="369332"/>
           </a:xfrm>
           <a:prstGeom prst="rect">
@@ -5672,7 +5699,7 @@
           <a:noFill/>
         </p:spPr>
         <p:txBody>
-          <a:bodyPr wrap="none" rtlCol="0">
+          <a:bodyPr wrap="square" rtlCol="0">
             <a:spAutoFit/>
           </a:bodyPr>
           <a:lstStyle/>
@@ -5714,7 +5741,7 @@
         </p:nvCxnSpPr>
         <p:spPr>
           <a:xfrm>
-            <a:off x="8916183" y="3410264"/>
+            <a:off x="8879607" y="3680926"/>
             <a:ext cx="0" cy="295974"/>
           </a:xfrm>
           <a:prstGeom prst="straightConnector1">
@@ -5757,7 +5784,7 @@
         </p:nvCxnSpPr>
         <p:spPr>
           <a:xfrm>
-            <a:off x="8646783" y="2655732"/>
+            <a:off x="8610207" y="2926394"/>
             <a:ext cx="269400" cy="385200"/>
           </a:xfrm>
           <a:prstGeom prst="straightConnector1">
@@ -5796,7 +5823,7 @@
         </p:nvSpPr>
         <p:spPr>
           <a:xfrm>
-            <a:off x="6824523" y="4317408"/>
+            <a:off x="6787947" y="4588070"/>
             <a:ext cx="792205" cy="369332"/>
           </a:xfrm>
           <a:prstGeom prst="rect">
@@ -5805,7 +5832,7 @@
           <a:noFill/>
         </p:spPr>
         <p:txBody>
-          <a:bodyPr wrap="none" rtlCol="0">
+          <a:bodyPr wrap="square" rtlCol="0">
             <a:spAutoFit/>
           </a:bodyPr>
           <a:lstStyle/>
@@ -5861,7 +5888,7 @@
         </p:nvCxnSpPr>
         <p:spPr>
           <a:xfrm>
-            <a:off x="7616728" y="4502074"/>
+            <a:off x="7580152" y="4772736"/>
             <a:ext cx="842405" cy="13554"/>
           </a:xfrm>
           <a:prstGeom prst="straightConnector1">
@@ -5914,7 +5941,7 @@
         </p:blipFill>
         <p:spPr>
           <a:xfrm>
-            <a:off x="4347078" y="1644534"/>
+            <a:off x="4310502" y="1915196"/>
             <a:ext cx="914400" cy="914400"/>
           </a:xfrm>
           <a:prstGeom prst="rect">
@@ -5950,7 +5977,7 @@
         </p:blipFill>
         <p:spPr>
           <a:xfrm>
-            <a:off x="9348158" y="4099529"/>
+            <a:off x="9311582" y="4370191"/>
             <a:ext cx="914400" cy="914400"/>
           </a:xfrm>
           <a:prstGeom prst="rect">
@@ -5972,7 +5999,7 @@
         </p:nvSpPr>
         <p:spPr>
           <a:xfrm>
-            <a:off x="8485134" y="3730197"/>
+            <a:off x="8448558" y="4000859"/>
             <a:ext cx="862095" cy="369332"/>
           </a:xfrm>
           <a:prstGeom prst="rect">
@@ -5981,7 +6008,7 @@
           <a:noFill/>
         </p:spPr>
         <p:txBody>
-          <a:bodyPr wrap="none" rtlCol="0">
+          <a:bodyPr wrap="square" rtlCol="0">
             <a:spAutoFit/>
           </a:bodyPr>
           <a:lstStyle/>
@@ -6020,7 +6047,7 @@
         </p:nvCxnSpPr>
         <p:spPr>
           <a:xfrm flipH="1">
-            <a:off x="8916181" y="4099529"/>
+            <a:off x="8879605" y="4370191"/>
             <a:ext cx="1" cy="231433"/>
           </a:xfrm>
           <a:prstGeom prst="straightConnector1">
@@ -6059,7 +6086,7 @@
         </p:nvSpPr>
         <p:spPr>
           <a:xfrm>
-            <a:off x="3982995" y="2444537"/>
+            <a:off x="3946419" y="2715199"/>
             <a:ext cx="1642566" cy="646331"/>
           </a:xfrm>
           <a:prstGeom prst="rect">
@@ -6068,7 +6095,7 @@
           <a:noFill/>
         </p:spPr>
         <p:txBody>
-          <a:bodyPr wrap="none" rtlCol="0">
+          <a:bodyPr wrap="square" rtlCol="0">
             <a:spAutoFit/>
           </a:bodyPr>
           <a:lstStyle/>
@@ -6112,7 +6139,7 @@
         </p:nvSpPr>
         <p:spPr>
           <a:xfrm>
-            <a:off x="9140989" y="4847581"/>
+            <a:off x="9104413" y="5118243"/>
             <a:ext cx="1278107" cy="646331"/>
           </a:xfrm>
           <a:prstGeom prst="rect">
@@ -6121,7 +6148,7 @@
           <a:noFill/>
         </p:spPr>
         <p:txBody>
-          <a:bodyPr wrap="none" rtlCol="0">
+          <a:bodyPr wrap="square" rtlCol="0">
             <a:spAutoFit/>
           </a:bodyPr>
           <a:lstStyle/>
@@ -6160,7 +6187,7 @@
         </p:nvSpPr>
         <p:spPr>
           <a:xfrm>
-            <a:off x="9665435" y="2259871"/>
+            <a:off x="9628859" y="2530533"/>
             <a:ext cx="807890" cy="369332"/>
           </a:xfrm>
           <a:prstGeom prst="rect">
@@ -6208,7 +6235,7 @@
         </p:nvCxnSpPr>
         <p:spPr>
           <a:xfrm flipH="1">
-            <a:off x="9181833" y="2444537"/>
+            <a:off x="9145257" y="2715199"/>
             <a:ext cx="483602" cy="26529"/>
           </a:xfrm>
           <a:prstGeom prst="straightConnector1">
